--- a/ppt 16-9/0677.主里甘甜.pptx
+++ b/ppt 16-9/0677.主里甘甜.pptx
@@ -129,7 +129,7 @@
           <p:cNvPr id="2" name="标题 1">
             <a:extLst>
               <a:ext uri="{FF2B5EF4-FFF2-40B4-BE49-F238E27FC236}">
-                <a16:creationId xmlns:a16="http://schemas.microsoft.com/office/drawing/2014/main" id="{5CC94250-2F4D-31DA-5D30-7B20AB37ABED}"/>
+                <a16:creationId xmlns:a16="http://schemas.microsoft.com/office/drawing/2014/main" id="{3ED58BCC-0167-CD70-7616-DB1BD4099FBE}"/>
               </a:ext>
             </a:extLst>
           </p:cNvPr>
@@ -166,7 +166,7 @@
           <p:cNvPr id="3" name="副标题 2">
             <a:extLst>
               <a:ext uri="{FF2B5EF4-FFF2-40B4-BE49-F238E27FC236}">
-                <a16:creationId xmlns:a16="http://schemas.microsoft.com/office/drawing/2014/main" id="{FEBFF017-1A93-2A02-9F9F-1954ED049EC4}"/>
+                <a16:creationId xmlns:a16="http://schemas.microsoft.com/office/drawing/2014/main" id="{9FDCC18B-0E21-16D1-C60B-27D7EAB5D952}"/>
               </a:ext>
             </a:extLst>
           </p:cNvPr>
@@ -236,7 +236,7 @@
           <p:cNvPr id="4" name="日期占位符 3">
             <a:extLst>
               <a:ext uri="{FF2B5EF4-FFF2-40B4-BE49-F238E27FC236}">
-                <a16:creationId xmlns:a16="http://schemas.microsoft.com/office/drawing/2014/main" id="{9EDDE60B-1101-536D-4223-949BD5682A94}"/>
+                <a16:creationId xmlns:a16="http://schemas.microsoft.com/office/drawing/2014/main" id="{47F92B52-E5D4-2D35-5921-0E1F7B519B51}"/>
               </a:ext>
             </a:extLst>
           </p:cNvPr>
@@ -252,7 +252,7 @@
           <a:bodyPr/>
           <a:lstStyle/>
           <a:p>
-            <a:fld id="{EC30A15F-F975-4DB1-9A04-69A7E0C3E026}" type="datetimeFigureOut">
+            <a:fld id="{6F6111EA-56DF-4978-B29A-A151642A5885}" type="datetimeFigureOut">
               <a:rPr lang="zh-CN" altLang="en-US" smtClean="0"/>
               <a:t>2024/3/10</a:t>
             </a:fld>
@@ -265,7 +265,7 @@
           <p:cNvPr id="5" name="页脚占位符 4">
             <a:extLst>
               <a:ext uri="{FF2B5EF4-FFF2-40B4-BE49-F238E27FC236}">
-                <a16:creationId xmlns:a16="http://schemas.microsoft.com/office/drawing/2014/main" id="{6C67ECAB-BF32-8978-758E-4C2FA2B3759B}"/>
+                <a16:creationId xmlns:a16="http://schemas.microsoft.com/office/drawing/2014/main" id="{294C0FF0-6C5A-0960-A260-64E42F2FEC20}"/>
               </a:ext>
             </a:extLst>
           </p:cNvPr>
@@ -290,7 +290,7 @@
           <p:cNvPr id="6" name="灯片编号占位符 5">
             <a:extLst>
               <a:ext uri="{FF2B5EF4-FFF2-40B4-BE49-F238E27FC236}">
-                <a16:creationId xmlns:a16="http://schemas.microsoft.com/office/drawing/2014/main" id="{EA2554D1-9316-08D9-87F9-806DC3878621}"/>
+                <a16:creationId xmlns:a16="http://schemas.microsoft.com/office/drawing/2014/main" id="{246A4CBD-1C24-F4DC-28B4-BA278BA14B41}"/>
               </a:ext>
             </a:extLst>
           </p:cNvPr>
@@ -306,7 +306,7 @@
           <a:bodyPr/>
           <a:lstStyle/>
           <a:p>
-            <a:fld id="{F7005C75-4DCF-4FA2-887E-DAAC764A6447}" type="slidenum">
+            <a:fld id="{6D2BA9F8-61DE-4D46-A44D-BFE3B531311F}" type="slidenum">
               <a:rPr lang="zh-CN" altLang="en-US" smtClean="0"/>
               <a:t>‹#›</a:t>
             </a:fld>
@@ -317,7 +317,7 @@
     </p:spTree>
     <p:extLst>
       <p:ext uri="{BB962C8B-B14F-4D97-AF65-F5344CB8AC3E}">
-        <p14:creationId xmlns:p14="http://schemas.microsoft.com/office/powerpoint/2010/main" val="2493027338"/>
+        <p14:creationId xmlns:p14="http://schemas.microsoft.com/office/powerpoint/2010/main" val="4095534266"/>
       </p:ext>
     </p:extLst>
   </p:cSld>
@@ -349,7 +349,7 @@
           <p:cNvPr id="2" name="标题 1">
             <a:extLst>
               <a:ext uri="{FF2B5EF4-FFF2-40B4-BE49-F238E27FC236}">
-                <a16:creationId xmlns:a16="http://schemas.microsoft.com/office/drawing/2014/main" id="{BC0E3A58-B387-B585-8E0F-6D2309D581A9}"/>
+                <a16:creationId xmlns:a16="http://schemas.microsoft.com/office/drawing/2014/main" id="{FBA9C7F6-F7C1-9988-CDC8-249F35B5A4FF}"/>
               </a:ext>
             </a:extLst>
           </p:cNvPr>
@@ -377,7 +377,7 @@
           <p:cNvPr id="3" name="竖排文字占位符 2">
             <a:extLst>
               <a:ext uri="{FF2B5EF4-FFF2-40B4-BE49-F238E27FC236}">
-                <a16:creationId xmlns:a16="http://schemas.microsoft.com/office/drawing/2014/main" id="{BB4C8849-E094-3C25-0E63-764FE3B3D4B5}"/>
+                <a16:creationId xmlns:a16="http://schemas.microsoft.com/office/drawing/2014/main" id="{1021CBF5-5BD8-6435-E5C9-124D16109B8F}"/>
               </a:ext>
             </a:extLst>
           </p:cNvPr>
@@ -434,7 +434,7 @@
           <p:cNvPr id="4" name="日期占位符 3">
             <a:extLst>
               <a:ext uri="{FF2B5EF4-FFF2-40B4-BE49-F238E27FC236}">
-                <a16:creationId xmlns:a16="http://schemas.microsoft.com/office/drawing/2014/main" id="{3511CED2-E341-5A57-29CC-6D24B535AD84}"/>
+                <a16:creationId xmlns:a16="http://schemas.microsoft.com/office/drawing/2014/main" id="{D4B7FB8A-B6B7-9C44-377A-AD1365B89B53}"/>
               </a:ext>
             </a:extLst>
           </p:cNvPr>
@@ -450,7 +450,7 @@
           <a:bodyPr/>
           <a:lstStyle/>
           <a:p>
-            <a:fld id="{EC30A15F-F975-4DB1-9A04-69A7E0C3E026}" type="datetimeFigureOut">
+            <a:fld id="{6F6111EA-56DF-4978-B29A-A151642A5885}" type="datetimeFigureOut">
               <a:rPr lang="zh-CN" altLang="en-US" smtClean="0"/>
               <a:t>2024/3/10</a:t>
             </a:fld>
@@ -463,7 +463,7 @@
           <p:cNvPr id="5" name="页脚占位符 4">
             <a:extLst>
               <a:ext uri="{FF2B5EF4-FFF2-40B4-BE49-F238E27FC236}">
-                <a16:creationId xmlns:a16="http://schemas.microsoft.com/office/drawing/2014/main" id="{21F31839-C618-4DD5-524E-A869E179D572}"/>
+                <a16:creationId xmlns:a16="http://schemas.microsoft.com/office/drawing/2014/main" id="{FD3A69E6-8543-D184-C48A-EB7A5B39C004}"/>
               </a:ext>
             </a:extLst>
           </p:cNvPr>
@@ -488,7 +488,7 @@
           <p:cNvPr id="6" name="灯片编号占位符 5">
             <a:extLst>
               <a:ext uri="{FF2B5EF4-FFF2-40B4-BE49-F238E27FC236}">
-                <a16:creationId xmlns:a16="http://schemas.microsoft.com/office/drawing/2014/main" id="{0E9D7558-06A0-20D8-1A01-DD94B48224A5}"/>
+                <a16:creationId xmlns:a16="http://schemas.microsoft.com/office/drawing/2014/main" id="{E209E13D-D1D0-4223-DCE8-0306B8FB862A}"/>
               </a:ext>
             </a:extLst>
           </p:cNvPr>
@@ -504,7 +504,7 @@
           <a:bodyPr/>
           <a:lstStyle/>
           <a:p>
-            <a:fld id="{F7005C75-4DCF-4FA2-887E-DAAC764A6447}" type="slidenum">
+            <a:fld id="{6D2BA9F8-61DE-4D46-A44D-BFE3B531311F}" type="slidenum">
               <a:rPr lang="zh-CN" altLang="en-US" smtClean="0"/>
               <a:t>‹#›</a:t>
             </a:fld>
@@ -515,7 +515,7 @@
     </p:spTree>
     <p:extLst>
       <p:ext uri="{BB962C8B-B14F-4D97-AF65-F5344CB8AC3E}">
-        <p14:creationId xmlns:p14="http://schemas.microsoft.com/office/powerpoint/2010/main" val="3310973535"/>
+        <p14:creationId xmlns:p14="http://schemas.microsoft.com/office/powerpoint/2010/main" val="3678657406"/>
       </p:ext>
     </p:extLst>
   </p:cSld>
@@ -547,7 +547,7 @@
           <p:cNvPr id="2" name="竖排标题 1">
             <a:extLst>
               <a:ext uri="{FF2B5EF4-FFF2-40B4-BE49-F238E27FC236}">
-                <a16:creationId xmlns:a16="http://schemas.microsoft.com/office/drawing/2014/main" id="{CF8B5FA2-1333-6659-E1B2-21FC1F518046}"/>
+                <a16:creationId xmlns:a16="http://schemas.microsoft.com/office/drawing/2014/main" id="{2F9336D4-DBD5-8B23-06AE-FC5584EFCFDD}"/>
               </a:ext>
             </a:extLst>
           </p:cNvPr>
@@ -580,7 +580,7 @@
           <p:cNvPr id="3" name="竖排文字占位符 2">
             <a:extLst>
               <a:ext uri="{FF2B5EF4-FFF2-40B4-BE49-F238E27FC236}">
-                <a16:creationId xmlns:a16="http://schemas.microsoft.com/office/drawing/2014/main" id="{EA09A9C7-1EC4-24B4-5F92-451004D65B21}"/>
+                <a16:creationId xmlns:a16="http://schemas.microsoft.com/office/drawing/2014/main" id="{AC2C1E95-A623-BE89-E369-F9E3F0EF9F07}"/>
               </a:ext>
             </a:extLst>
           </p:cNvPr>
@@ -642,7 +642,7 @@
           <p:cNvPr id="4" name="日期占位符 3">
             <a:extLst>
               <a:ext uri="{FF2B5EF4-FFF2-40B4-BE49-F238E27FC236}">
-                <a16:creationId xmlns:a16="http://schemas.microsoft.com/office/drawing/2014/main" id="{262EE846-7CD3-9F1B-498E-B0435481C0B5}"/>
+                <a16:creationId xmlns:a16="http://schemas.microsoft.com/office/drawing/2014/main" id="{FC9B5E6D-EE4A-5171-979D-70852C3C699A}"/>
               </a:ext>
             </a:extLst>
           </p:cNvPr>
@@ -658,7 +658,7 @@
           <a:bodyPr/>
           <a:lstStyle/>
           <a:p>
-            <a:fld id="{EC30A15F-F975-4DB1-9A04-69A7E0C3E026}" type="datetimeFigureOut">
+            <a:fld id="{6F6111EA-56DF-4978-B29A-A151642A5885}" type="datetimeFigureOut">
               <a:rPr lang="zh-CN" altLang="en-US" smtClean="0"/>
               <a:t>2024/3/10</a:t>
             </a:fld>
@@ -671,7 +671,7 @@
           <p:cNvPr id="5" name="页脚占位符 4">
             <a:extLst>
               <a:ext uri="{FF2B5EF4-FFF2-40B4-BE49-F238E27FC236}">
-                <a16:creationId xmlns:a16="http://schemas.microsoft.com/office/drawing/2014/main" id="{D704E87A-3802-00AC-6AB0-A6EFB26A99B9}"/>
+                <a16:creationId xmlns:a16="http://schemas.microsoft.com/office/drawing/2014/main" id="{4C8A59BA-61E4-D3B1-6C44-BF366A4BF9AD}"/>
               </a:ext>
             </a:extLst>
           </p:cNvPr>
@@ -696,7 +696,7 @@
           <p:cNvPr id="6" name="灯片编号占位符 5">
             <a:extLst>
               <a:ext uri="{FF2B5EF4-FFF2-40B4-BE49-F238E27FC236}">
-                <a16:creationId xmlns:a16="http://schemas.microsoft.com/office/drawing/2014/main" id="{2A280F84-C9E3-1742-FEE5-1F99D89AF817}"/>
+                <a16:creationId xmlns:a16="http://schemas.microsoft.com/office/drawing/2014/main" id="{F7CCBE2F-B830-9AF6-F719-CA70FDE16158}"/>
               </a:ext>
             </a:extLst>
           </p:cNvPr>
@@ -712,7 +712,7 @@
           <a:bodyPr/>
           <a:lstStyle/>
           <a:p>
-            <a:fld id="{F7005C75-4DCF-4FA2-887E-DAAC764A6447}" type="slidenum">
+            <a:fld id="{6D2BA9F8-61DE-4D46-A44D-BFE3B531311F}" type="slidenum">
               <a:rPr lang="zh-CN" altLang="en-US" smtClean="0"/>
               <a:t>‹#›</a:t>
             </a:fld>
@@ -723,7 +723,7 @@
     </p:spTree>
     <p:extLst>
       <p:ext uri="{BB962C8B-B14F-4D97-AF65-F5344CB8AC3E}">
-        <p14:creationId xmlns:p14="http://schemas.microsoft.com/office/powerpoint/2010/main" val="3847279060"/>
+        <p14:creationId xmlns:p14="http://schemas.microsoft.com/office/powerpoint/2010/main" val="3078493899"/>
       </p:ext>
     </p:extLst>
   </p:cSld>
@@ -755,7 +755,7 @@
           <p:cNvPr id="2" name="标题 1">
             <a:extLst>
               <a:ext uri="{FF2B5EF4-FFF2-40B4-BE49-F238E27FC236}">
-                <a16:creationId xmlns:a16="http://schemas.microsoft.com/office/drawing/2014/main" id="{4944E9A2-1F3D-4B89-AA37-72AA5E81DBCA}"/>
+                <a16:creationId xmlns:a16="http://schemas.microsoft.com/office/drawing/2014/main" id="{3D2504F5-87A4-E29D-7AF1-E48D9512E0E0}"/>
               </a:ext>
             </a:extLst>
           </p:cNvPr>
@@ -783,7 +783,7 @@
           <p:cNvPr id="3" name="内容占位符 2">
             <a:extLst>
               <a:ext uri="{FF2B5EF4-FFF2-40B4-BE49-F238E27FC236}">
-                <a16:creationId xmlns:a16="http://schemas.microsoft.com/office/drawing/2014/main" id="{48E84CAC-97A4-AA60-1858-6FD660C038E6}"/>
+                <a16:creationId xmlns:a16="http://schemas.microsoft.com/office/drawing/2014/main" id="{79155198-5FB4-1522-5F7F-F3D5205E92F8}"/>
               </a:ext>
             </a:extLst>
           </p:cNvPr>
@@ -840,7 +840,7 @@
           <p:cNvPr id="4" name="日期占位符 3">
             <a:extLst>
               <a:ext uri="{FF2B5EF4-FFF2-40B4-BE49-F238E27FC236}">
-                <a16:creationId xmlns:a16="http://schemas.microsoft.com/office/drawing/2014/main" id="{64B69DB2-B317-617C-233C-4A1375D04B9D}"/>
+                <a16:creationId xmlns:a16="http://schemas.microsoft.com/office/drawing/2014/main" id="{C27EC12A-3999-92EC-C4C2-D3ACF3197058}"/>
               </a:ext>
             </a:extLst>
           </p:cNvPr>
@@ -856,7 +856,7 @@
           <a:bodyPr/>
           <a:lstStyle/>
           <a:p>
-            <a:fld id="{EC30A15F-F975-4DB1-9A04-69A7E0C3E026}" type="datetimeFigureOut">
+            <a:fld id="{6F6111EA-56DF-4978-B29A-A151642A5885}" type="datetimeFigureOut">
               <a:rPr lang="zh-CN" altLang="en-US" smtClean="0"/>
               <a:t>2024/3/10</a:t>
             </a:fld>
@@ -869,7 +869,7 @@
           <p:cNvPr id="5" name="页脚占位符 4">
             <a:extLst>
               <a:ext uri="{FF2B5EF4-FFF2-40B4-BE49-F238E27FC236}">
-                <a16:creationId xmlns:a16="http://schemas.microsoft.com/office/drawing/2014/main" id="{CB361D17-CEAD-65AE-571B-3FCE6E93727C}"/>
+                <a16:creationId xmlns:a16="http://schemas.microsoft.com/office/drawing/2014/main" id="{9C481FBC-AE40-DC3C-E60D-BC0A022D5500}"/>
               </a:ext>
             </a:extLst>
           </p:cNvPr>
@@ -894,7 +894,7 @@
           <p:cNvPr id="6" name="灯片编号占位符 5">
             <a:extLst>
               <a:ext uri="{FF2B5EF4-FFF2-40B4-BE49-F238E27FC236}">
-                <a16:creationId xmlns:a16="http://schemas.microsoft.com/office/drawing/2014/main" id="{2F95902D-9914-30C8-C050-7EB778352EB0}"/>
+                <a16:creationId xmlns:a16="http://schemas.microsoft.com/office/drawing/2014/main" id="{274D574D-4A4D-A0B6-B496-322BE96FAC56}"/>
               </a:ext>
             </a:extLst>
           </p:cNvPr>
@@ -910,7 +910,7 @@
           <a:bodyPr/>
           <a:lstStyle/>
           <a:p>
-            <a:fld id="{F7005C75-4DCF-4FA2-887E-DAAC764A6447}" type="slidenum">
+            <a:fld id="{6D2BA9F8-61DE-4D46-A44D-BFE3B531311F}" type="slidenum">
               <a:rPr lang="zh-CN" altLang="en-US" smtClean="0"/>
               <a:t>‹#›</a:t>
             </a:fld>
@@ -921,7 +921,7 @@
     </p:spTree>
     <p:extLst>
       <p:ext uri="{BB962C8B-B14F-4D97-AF65-F5344CB8AC3E}">
-        <p14:creationId xmlns:p14="http://schemas.microsoft.com/office/powerpoint/2010/main" val="3027867253"/>
+        <p14:creationId xmlns:p14="http://schemas.microsoft.com/office/powerpoint/2010/main" val="190235708"/>
       </p:ext>
     </p:extLst>
   </p:cSld>
@@ -953,7 +953,7 @@
           <p:cNvPr id="2" name="标题 1">
             <a:extLst>
               <a:ext uri="{FF2B5EF4-FFF2-40B4-BE49-F238E27FC236}">
-                <a16:creationId xmlns:a16="http://schemas.microsoft.com/office/drawing/2014/main" id="{40B8D33A-6EB7-0D6C-FB68-46BE9984B3D0}"/>
+                <a16:creationId xmlns:a16="http://schemas.microsoft.com/office/drawing/2014/main" id="{B9E91FA6-8B80-2C1A-4F0D-25BBE9BC68AA}"/>
               </a:ext>
             </a:extLst>
           </p:cNvPr>
@@ -990,7 +990,7 @@
           <p:cNvPr id="3" name="文本占位符 2">
             <a:extLst>
               <a:ext uri="{FF2B5EF4-FFF2-40B4-BE49-F238E27FC236}">
-                <a16:creationId xmlns:a16="http://schemas.microsoft.com/office/drawing/2014/main" id="{24E1222F-853E-84BF-8342-21BF11647F99}"/>
+                <a16:creationId xmlns:a16="http://schemas.microsoft.com/office/drawing/2014/main" id="{763CCE44-7E2D-95AA-6BDE-D4E2A809B455}"/>
               </a:ext>
             </a:extLst>
           </p:cNvPr>
@@ -1115,7 +1115,7 @@
           <p:cNvPr id="4" name="日期占位符 3">
             <a:extLst>
               <a:ext uri="{FF2B5EF4-FFF2-40B4-BE49-F238E27FC236}">
-                <a16:creationId xmlns:a16="http://schemas.microsoft.com/office/drawing/2014/main" id="{D35D793F-2043-9656-B3C7-C702D5E01F00}"/>
+                <a16:creationId xmlns:a16="http://schemas.microsoft.com/office/drawing/2014/main" id="{B43C4F28-CCDB-528F-F133-1DFB7A204497}"/>
               </a:ext>
             </a:extLst>
           </p:cNvPr>
@@ -1131,7 +1131,7 @@
           <a:bodyPr/>
           <a:lstStyle/>
           <a:p>
-            <a:fld id="{EC30A15F-F975-4DB1-9A04-69A7E0C3E026}" type="datetimeFigureOut">
+            <a:fld id="{6F6111EA-56DF-4978-B29A-A151642A5885}" type="datetimeFigureOut">
               <a:rPr lang="zh-CN" altLang="en-US" smtClean="0"/>
               <a:t>2024/3/10</a:t>
             </a:fld>
@@ -1144,7 +1144,7 @@
           <p:cNvPr id="5" name="页脚占位符 4">
             <a:extLst>
               <a:ext uri="{FF2B5EF4-FFF2-40B4-BE49-F238E27FC236}">
-                <a16:creationId xmlns:a16="http://schemas.microsoft.com/office/drawing/2014/main" id="{C9BBF96B-587C-B16E-94F6-53437B7F217B}"/>
+                <a16:creationId xmlns:a16="http://schemas.microsoft.com/office/drawing/2014/main" id="{61888AA1-30C3-7A02-27C0-47353100A740}"/>
               </a:ext>
             </a:extLst>
           </p:cNvPr>
@@ -1169,7 +1169,7 @@
           <p:cNvPr id="6" name="灯片编号占位符 5">
             <a:extLst>
               <a:ext uri="{FF2B5EF4-FFF2-40B4-BE49-F238E27FC236}">
-                <a16:creationId xmlns:a16="http://schemas.microsoft.com/office/drawing/2014/main" id="{DE1D1C07-3243-D713-B065-D2CBCB162146}"/>
+                <a16:creationId xmlns:a16="http://schemas.microsoft.com/office/drawing/2014/main" id="{CBB568D3-0FAF-BE5D-0FC9-3DEAED383639}"/>
               </a:ext>
             </a:extLst>
           </p:cNvPr>
@@ -1185,7 +1185,7 @@
           <a:bodyPr/>
           <a:lstStyle/>
           <a:p>
-            <a:fld id="{F7005C75-4DCF-4FA2-887E-DAAC764A6447}" type="slidenum">
+            <a:fld id="{6D2BA9F8-61DE-4D46-A44D-BFE3B531311F}" type="slidenum">
               <a:rPr lang="zh-CN" altLang="en-US" smtClean="0"/>
               <a:t>‹#›</a:t>
             </a:fld>
@@ -1196,7 +1196,7 @@
     </p:spTree>
     <p:extLst>
       <p:ext uri="{BB962C8B-B14F-4D97-AF65-F5344CB8AC3E}">
-        <p14:creationId xmlns:p14="http://schemas.microsoft.com/office/powerpoint/2010/main" val="3859758616"/>
+        <p14:creationId xmlns:p14="http://schemas.microsoft.com/office/powerpoint/2010/main" val="4041711976"/>
       </p:ext>
     </p:extLst>
   </p:cSld>
@@ -1228,7 +1228,7 @@
           <p:cNvPr id="2" name="标题 1">
             <a:extLst>
               <a:ext uri="{FF2B5EF4-FFF2-40B4-BE49-F238E27FC236}">
-                <a16:creationId xmlns:a16="http://schemas.microsoft.com/office/drawing/2014/main" id="{9CECF7AA-C14D-22AE-E18F-0C0203C4E4DE}"/>
+                <a16:creationId xmlns:a16="http://schemas.microsoft.com/office/drawing/2014/main" id="{11A338F2-EB25-FD7D-FF55-A715BAC20373}"/>
               </a:ext>
             </a:extLst>
           </p:cNvPr>
@@ -1256,7 +1256,7 @@
           <p:cNvPr id="3" name="内容占位符 2">
             <a:extLst>
               <a:ext uri="{FF2B5EF4-FFF2-40B4-BE49-F238E27FC236}">
-                <a16:creationId xmlns:a16="http://schemas.microsoft.com/office/drawing/2014/main" id="{1C62B3E9-11C7-EFA0-A182-0229DA6A72D8}"/>
+                <a16:creationId xmlns:a16="http://schemas.microsoft.com/office/drawing/2014/main" id="{CE8C8C9E-8589-7929-3397-FC1E215E88AF}"/>
               </a:ext>
             </a:extLst>
           </p:cNvPr>
@@ -1318,7 +1318,7 @@
           <p:cNvPr id="4" name="内容占位符 3">
             <a:extLst>
               <a:ext uri="{FF2B5EF4-FFF2-40B4-BE49-F238E27FC236}">
-                <a16:creationId xmlns:a16="http://schemas.microsoft.com/office/drawing/2014/main" id="{3370AD24-221F-2402-6851-43C86E5A93ED}"/>
+                <a16:creationId xmlns:a16="http://schemas.microsoft.com/office/drawing/2014/main" id="{75F8D99D-CBAE-8C6D-4699-89F13530583D}"/>
               </a:ext>
             </a:extLst>
           </p:cNvPr>
@@ -1380,7 +1380,7 @@
           <p:cNvPr id="5" name="日期占位符 4">
             <a:extLst>
               <a:ext uri="{FF2B5EF4-FFF2-40B4-BE49-F238E27FC236}">
-                <a16:creationId xmlns:a16="http://schemas.microsoft.com/office/drawing/2014/main" id="{E63F2D9F-92B1-EAF3-F2F7-29A19B09BD6A}"/>
+                <a16:creationId xmlns:a16="http://schemas.microsoft.com/office/drawing/2014/main" id="{3D0DE392-AACB-5FCE-9E78-370FF2B7FF5A}"/>
               </a:ext>
             </a:extLst>
           </p:cNvPr>
@@ -1396,7 +1396,7 @@
           <a:bodyPr/>
           <a:lstStyle/>
           <a:p>
-            <a:fld id="{EC30A15F-F975-4DB1-9A04-69A7E0C3E026}" type="datetimeFigureOut">
+            <a:fld id="{6F6111EA-56DF-4978-B29A-A151642A5885}" type="datetimeFigureOut">
               <a:rPr lang="zh-CN" altLang="en-US" smtClean="0"/>
               <a:t>2024/3/10</a:t>
             </a:fld>
@@ -1409,7 +1409,7 @@
           <p:cNvPr id="6" name="页脚占位符 5">
             <a:extLst>
               <a:ext uri="{FF2B5EF4-FFF2-40B4-BE49-F238E27FC236}">
-                <a16:creationId xmlns:a16="http://schemas.microsoft.com/office/drawing/2014/main" id="{3CF5DDDA-4FD7-167F-D4FF-6FEDFFE1729B}"/>
+                <a16:creationId xmlns:a16="http://schemas.microsoft.com/office/drawing/2014/main" id="{53890B6E-6CDC-7303-2AD7-E31B3A01B5B5}"/>
               </a:ext>
             </a:extLst>
           </p:cNvPr>
@@ -1434,7 +1434,7 @@
           <p:cNvPr id="7" name="灯片编号占位符 6">
             <a:extLst>
               <a:ext uri="{FF2B5EF4-FFF2-40B4-BE49-F238E27FC236}">
-                <a16:creationId xmlns:a16="http://schemas.microsoft.com/office/drawing/2014/main" id="{D5F49D1A-981D-9344-87DD-FAA8AF407499}"/>
+                <a16:creationId xmlns:a16="http://schemas.microsoft.com/office/drawing/2014/main" id="{55883921-0B26-AD81-0B95-4DB970C43114}"/>
               </a:ext>
             </a:extLst>
           </p:cNvPr>
@@ -1450,7 +1450,7 @@
           <a:bodyPr/>
           <a:lstStyle/>
           <a:p>
-            <a:fld id="{F7005C75-4DCF-4FA2-887E-DAAC764A6447}" type="slidenum">
+            <a:fld id="{6D2BA9F8-61DE-4D46-A44D-BFE3B531311F}" type="slidenum">
               <a:rPr lang="zh-CN" altLang="en-US" smtClean="0"/>
               <a:t>‹#›</a:t>
             </a:fld>
@@ -1461,7 +1461,7 @@
     </p:spTree>
     <p:extLst>
       <p:ext uri="{BB962C8B-B14F-4D97-AF65-F5344CB8AC3E}">
-        <p14:creationId xmlns:p14="http://schemas.microsoft.com/office/powerpoint/2010/main" val="2470535202"/>
+        <p14:creationId xmlns:p14="http://schemas.microsoft.com/office/powerpoint/2010/main" val="352636842"/>
       </p:ext>
     </p:extLst>
   </p:cSld>
@@ -1493,7 +1493,7 @@
           <p:cNvPr id="2" name="标题 1">
             <a:extLst>
               <a:ext uri="{FF2B5EF4-FFF2-40B4-BE49-F238E27FC236}">
-                <a16:creationId xmlns:a16="http://schemas.microsoft.com/office/drawing/2014/main" id="{CF824A9B-A1E2-838D-7473-14A6070442BD}"/>
+                <a16:creationId xmlns:a16="http://schemas.microsoft.com/office/drawing/2014/main" id="{6A2282EF-2682-C788-1F87-CB419C800597}"/>
               </a:ext>
             </a:extLst>
           </p:cNvPr>
@@ -1526,7 +1526,7 @@
           <p:cNvPr id="3" name="文本占位符 2">
             <a:extLst>
               <a:ext uri="{FF2B5EF4-FFF2-40B4-BE49-F238E27FC236}">
-                <a16:creationId xmlns:a16="http://schemas.microsoft.com/office/drawing/2014/main" id="{36DE297C-EA30-5265-5C52-CCCE3F1C6850}"/>
+                <a16:creationId xmlns:a16="http://schemas.microsoft.com/office/drawing/2014/main" id="{A1C34DF7-B4AC-EE18-451D-FCEB3AB9B53A}"/>
               </a:ext>
             </a:extLst>
           </p:cNvPr>
@@ -1597,7 +1597,7 @@
           <p:cNvPr id="4" name="内容占位符 3">
             <a:extLst>
               <a:ext uri="{FF2B5EF4-FFF2-40B4-BE49-F238E27FC236}">
-                <a16:creationId xmlns:a16="http://schemas.microsoft.com/office/drawing/2014/main" id="{6644B457-06CB-1B75-6DDD-D7281A884F68}"/>
+                <a16:creationId xmlns:a16="http://schemas.microsoft.com/office/drawing/2014/main" id="{A54B8598-466A-D6B4-D0F0-EFCB871D8ACE}"/>
               </a:ext>
             </a:extLst>
           </p:cNvPr>
@@ -1659,7 +1659,7 @@
           <p:cNvPr id="5" name="文本占位符 4">
             <a:extLst>
               <a:ext uri="{FF2B5EF4-FFF2-40B4-BE49-F238E27FC236}">
-                <a16:creationId xmlns:a16="http://schemas.microsoft.com/office/drawing/2014/main" id="{3D88919E-5A02-5C67-4363-DD053C18B601}"/>
+                <a16:creationId xmlns:a16="http://schemas.microsoft.com/office/drawing/2014/main" id="{3C745BD7-D411-9DF9-96A9-908C0A1C0FCE}"/>
               </a:ext>
             </a:extLst>
           </p:cNvPr>
@@ -1730,7 +1730,7 @@
           <p:cNvPr id="6" name="内容占位符 5">
             <a:extLst>
               <a:ext uri="{FF2B5EF4-FFF2-40B4-BE49-F238E27FC236}">
-                <a16:creationId xmlns:a16="http://schemas.microsoft.com/office/drawing/2014/main" id="{5F1DB8E9-9AF8-328A-78BC-E113276BF418}"/>
+                <a16:creationId xmlns:a16="http://schemas.microsoft.com/office/drawing/2014/main" id="{1589373C-A957-D89B-1D98-C621A3FA8951}"/>
               </a:ext>
             </a:extLst>
           </p:cNvPr>
@@ -1792,7 +1792,7 @@
           <p:cNvPr id="7" name="日期占位符 6">
             <a:extLst>
               <a:ext uri="{FF2B5EF4-FFF2-40B4-BE49-F238E27FC236}">
-                <a16:creationId xmlns:a16="http://schemas.microsoft.com/office/drawing/2014/main" id="{E059949E-A361-5332-C7AD-5D0A985DC881}"/>
+                <a16:creationId xmlns:a16="http://schemas.microsoft.com/office/drawing/2014/main" id="{FA202873-3B4E-0147-40F8-ACCAAEABC54E}"/>
               </a:ext>
             </a:extLst>
           </p:cNvPr>
@@ -1808,7 +1808,7 @@
           <a:bodyPr/>
           <a:lstStyle/>
           <a:p>
-            <a:fld id="{EC30A15F-F975-4DB1-9A04-69A7E0C3E026}" type="datetimeFigureOut">
+            <a:fld id="{6F6111EA-56DF-4978-B29A-A151642A5885}" type="datetimeFigureOut">
               <a:rPr lang="zh-CN" altLang="en-US" smtClean="0"/>
               <a:t>2024/3/10</a:t>
             </a:fld>
@@ -1821,7 +1821,7 @@
           <p:cNvPr id="8" name="页脚占位符 7">
             <a:extLst>
               <a:ext uri="{FF2B5EF4-FFF2-40B4-BE49-F238E27FC236}">
-                <a16:creationId xmlns:a16="http://schemas.microsoft.com/office/drawing/2014/main" id="{B3DD29C8-EF4D-ACAF-87E6-5D374973BDBA}"/>
+                <a16:creationId xmlns:a16="http://schemas.microsoft.com/office/drawing/2014/main" id="{AE6A4D8F-953F-766F-FEFC-51DE0C3D6160}"/>
               </a:ext>
             </a:extLst>
           </p:cNvPr>
@@ -1846,7 +1846,7 @@
           <p:cNvPr id="9" name="灯片编号占位符 8">
             <a:extLst>
               <a:ext uri="{FF2B5EF4-FFF2-40B4-BE49-F238E27FC236}">
-                <a16:creationId xmlns:a16="http://schemas.microsoft.com/office/drawing/2014/main" id="{8F6E4775-CFD1-E747-64D1-2BF4F017F18F}"/>
+                <a16:creationId xmlns:a16="http://schemas.microsoft.com/office/drawing/2014/main" id="{9AABDB09-953C-1EB7-D668-5F90F5EF0438}"/>
               </a:ext>
             </a:extLst>
           </p:cNvPr>
@@ -1862,7 +1862,7 @@
           <a:bodyPr/>
           <a:lstStyle/>
           <a:p>
-            <a:fld id="{F7005C75-4DCF-4FA2-887E-DAAC764A6447}" type="slidenum">
+            <a:fld id="{6D2BA9F8-61DE-4D46-A44D-BFE3B531311F}" type="slidenum">
               <a:rPr lang="zh-CN" altLang="en-US" smtClean="0"/>
               <a:t>‹#›</a:t>
             </a:fld>
@@ -1873,7 +1873,7 @@
     </p:spTree>
     <p:extLst>
       <p:ext uri="{BB962C8B-B14F-4D97-AF65-F5344CB8AC3E}">
-        <p14:creationId xmlns:p14="http://schemas.microsoft.com/office/powerpoint/2010/main" val="1090043675"/>
+        <p14:creationId xmlns:p14="http://schemas.microsoft.com/office/powerpoint/2010/main" val="4027255851"/>
       </p:ext>
     </p:extLst>
   </p:cSld>
@@ -1905,7 +1905,7 @@
           <p:cNvPr id="2" name="标题 1">
             <a:extLst>
               <a:ext uri="{FF2B5EF4-FFF2-40B4-BE49-F238E27FC236}">
-                <a16:creationId xmlns:a16="http://schemas.microsoft.com/office/drawing/2014/main" id="{8F17E375-83B5-1CDB-F817-461E6F58AFED}"/>
+                <a16:creationId xmlns:a16="http://schemas.microsoft.com/office/drawing/2014/main" id="{5822DC1A-A735-9C51-9FDD-946296F24C10}"/>
               </a:ext>
             </a:extLst>
           </p:cNvPr>
@@ -1933,7 +1933,7 @@
           <p:cNvPr id="3" name="日期占位符 2">
             <a:extLst>
               <a:ext uri="{FF2B5EF4-FFF2-40B4-BE49-F238E27FC236}">
-                <a16:creationId xmlns:a16="http://schemas.microsoft.com/office/drawing/2014/main" id="{18FCE110-67DF-2C5E-E7B3-A8A3A148B81F}"/>
+                <a16:creationId xmlns:a16="http://schemas.microsoft.com/office/drawing/2014/main" id="{12190D56-5DB3-20B9-C7B3-61043000DE39}"/>
               </a:ext>
             </a:extLst>
           </p:cNvPr>
@@ -1949,7 +1949,7 @@
           <a:bodyPr/>
           <a:lstStyle/>
           <a:p>
-            <a:fld id="{EC30A15F-F975-4DB1-9A04-69A7E0C3E026}" type="datetimeFigureOut">
+            <a:fld id="{6F6111EA-56DF-4978-B29A-A151642A5885}" type="datetimeFigureOut">
               <a:rPr lang="zh-CN" altLang="en-US" smtClean="0"/>
               <a:t>2024/3/10</a:t>
             </a:fld>
@@ -1962,7 +1962,7 @@
           <p:cNvPr id="4" name="页脚占位符 3">
             <a:extLst>
               <a:ext uri="{FF2B5EF4-FFF2-40B4-BE49-F238E27FC236}">
-                <a16:creationId xmlns:a16="http://schemas.microsoft.com/office/drawing/2014/main" id="{960482A3-CD60-C0C1-1B61-BECFC5F7D9A1}"/>
+                <a16:creationId xmlns:a16="http://schemas.microsoft.com/office/drawing/2014/main" id="{5664B96F-8918-9824-3BB3-A569D3230A40}"/>
               </a:ext>
             </a:extLst>
           </p:cNvPr>
@@ -1987,7 +1987,7 @@
           <p:cNvPr id="5" name="灯片编号占位符 4">
             <a:extLst>
               <a:ext uri="{FF2B5EF4-FFF2-40B4-BE49-F238E27FC236}">
-                <a16:creationId xmlns:a16="http://schemas.microsoft.com/office/drawing/2014/main" id="{87F3A1F7-0D34-54DD-080A-69C1EE91DAB2}"/>
+                <a16:creationId xmlns:a16="http://schemas.microsoft.com/office/drawing/2014/main" id="{3F265E5C-B95C-271B-0502-0C4B8DEAB6E6}"/>
               </a:ext>
             </a:extLst>
           </p:cNvPr>
@@ -2003,7 +2003,7 @@
           <a:bodyPr/>
           <a:lstStyle/>
           <a:p>
-            <a:fld id="{F7005C75-4DCF-4FA2-887E-DAAC764A6447}" type="slidenum">
+            <a:fld id="{6D2BA9F8-61DE-4D46-A44D-BFE3B531311F}" type="slidenum">
               <a:rPr lang="zh-CN" altLang="en-US" smtClean="0"/>
               <a:t>‹#›</a:t>
             </a:fld>
@@ -2014,7 +2014,7 @@
     </p:spTree>
     <p:extLst>
       <p:ext uri="{BB962C8B-B14F-4D97-AF65-F5344CB8AC3E}">
-        <p14:creationId xmlns:p14="http://schemas.microsoft.com/office/powerpoint/2010/main" val="3108445087"/>
+        <p14:creationId xmlns:p14="http://schemas.microsoft.com/office/powerpoint/2010/main" val="3734033090"/>
       </p:ext>
     </p:extLst>
   </p:cSld>
@@ -2046,7 +2046,7 @@
           <p:cNvPr id="2" name="日期占位符 1">
             <a:extLst>
               <a:ext uri="{FF2B5EF4-FFF2-40B4-BE49-F238E27FC236}">
-                <a16:creationId xmlns:a16="http://schemas.microsoft.com/office/drawing/2014/main" id="{FAB8ED1C-349B-76A9-5536-5221C7F90CEF}"/>
+                <a16:creationId xmlns:a16="http://schemas.microsoft.com/office/drawing/2014/main" id="{3BE62610-E5DF-46F4-7C89-01F785B0A2D8}"/>
               </a:ext>
             </a:extLst>
           </p:cNvPr>
@@ -2062,7 +2062,7 @@
           <a:bodyPr/>
           <a:lstStyle/>
           <a:p>
-            <a:fld id="{EC30A15F-F975-4DB1-9A04-69A7E0C3E026}" type="datetimeFigureOut">
+            <a:fld id="{6F6111EA-56DF-4978-B29A-A151642A5885}" type="datetimeFigureOut">
               <a:rPr lang="zh-CN" altLang="en-US" smtClean="0"/>
               <a:t>2024/3/10</a:t>
             </a:fld>
@@ -2075,7 +2075,7 @@
           <p:cNvPr id="3" name="页脚占位符 2">
             <a:extLst>
               <a:ext uri="{FF2B5EF4-FFF2-40B4-BE49-F238E27FC236}">
-                <a16:creationId xmlns:a16="http://schemas.microsoft.com/office/drawing/2014/main" id="{9BB0AD83-DBEF-E80D-F975-58534E088535}"/>
+                <a16:creationId xmlns:a16="http://schemas.microsoft.com/office/drawing/2014/main" id="{A5B2D205-0283-6DC2-32DC-D6D4688B0878}"/>
               </a:ext>
             </a:extLst>
           </p:cNvPr>
@@ -2100,7 +2100,7 @@
           <p:cNvPr id="4" name="灯片编号占位符 3">
             <a:extLst>
               <a:ext uri="{FF2B5EF4-FFF2-40B4-BE49-F238E27FC236}">
-                <a16:creationId xmlns:a16="http://schemas.microsoft.com/office/drawing/2014/main" id="{304B2536-3CE9-9F4E-C0A3-FABFAA8CAA85}"/>
+                <a16:creationId xmlns:a16="http://schemas.microsoft.com/office/drawing/2014/main" id="{1C8B1CB6-80ED-08E0-0033-9DA95B5EE8EC}"/>
               </a:ext>
             </a:extLst>
           </p:cNvPr>
@@ -2116,7 +2116,7 @@
           <a:bodyPr/>
           <a:lstStyle/>
           <a:p>
-            <a:fld id="{F7005C75-4DCF-4FA2-887E-DAAC764A6447}" type="slidenum">
+            <a:fld id="{6D2BA9F8-61DE-4D46-A44D-BFE3B531311F}" type="slidenum">
               <a:rPr lang="zh-CN" altLang="en-US" smtClean="0"/>
               <a:t>‹#›</a:t>
             </a:fld>
@@ -2127,7 +2127,7 @@
     </p:spTree>
     <p:extLst>
       <p:ext uri="{BB962C8B-B14F-4D97-AF65-F5344CB8AC3E}">
-        <p14:creationId xmlns:p14="http://schemas.microsoft.com/office/powerpoint/2010/main" val="1627779676"/>
+        <p14:creationId xmlns:p14="http://schemas.microsoft.com/office/powerpoint/2010/main" val="676177188"/>
       </p:ext>
     </p:extLst>
   </p:cSld>
@@ -2159,7 +2159,7 @@
           <p:cNvPr id="2" name="标题 1">
             <a:extLst>
               <a:ext uri="{FF2B5EF4-FFF2-40B4-BE49-F238E27FC236}">
-                <a16:creationId xmlns:a16="http://schemas.microsoft.com/office/drawing/2014/main" id="{442B6694-1032-DED4-1F1D-F7695BE6B6CF}"/>
+                <a16:creationId xmlns:a16="http://schemas.microsoft.com/office/drawing/2014/main" id="{A36BC738-9A3D-8853-5D4B-A6635D5848D3}"/>
               </a:ext>
             </a:extLst>
           </p:cNvPr>
@@ -2196,7 +2196,7 @@
           <p:cNvPr id="3" name="内容占位符 2">
             <a:extLst>
               <a:ext uri="{FF2B5EF4-FFF2-40B4-BE49-F238E27FC236}">
-                <a16:creationId xmlns:a16="http://schemas.microsoft.com/office/drawing/2014/main" id="{D2EC9139-AD8B-FA9F-F94D-00653CB1E1E7}"/>
+                <a16:creationId xmlns:a16="http://schemas.microsoft.com/office/drawing/2014/main" id="{4D5D7F45-8291-0511-5E74-4FB1D3F9FA64}"/>
               </a:ext>
             </a:extLst>
           </p:cNvPr>
@@ -2286,7 +2286,7 @@
           <p:cNvPr id="4" name="文本占位符 3">
             <a:extLst>
               <a:ext uri="{FF2B5EF4-FFF2-40B4-BE49-F238E27FC236}">
-                <a16:creationId xmlns:a16="http://schemas.microsoft.com/office/drawing/2014/main" id="{940D36B2-C34D-1F9B-D65A-A80B5F4AD20C}"/>
+                <a16:creationId xmlns:a16="http://schemas.microsoft.com/office/drawing/2014/main" id="{D99AF7F3-3649-2C09-413C-011C29CF69C0}"/>
               </a:ext>
             </a:extLst>
           </p:cNvPr>
@@ -2357,7 +2357,7 @@
           <p:cNvPr id="5" name="日期占位符 4">
             <a:extLst>
               <a:ext uri="{FF2B5EF4-FFF2-40B4-BE49-F238E27FC236}">
-                <a16:creationId xmlns:a16="http://schemas.microsoft.com/office/drawing/2014/main" id="{2540588D-0053-0C88-B2AE-521EDDD6D1E7}"/>
+                <a16:creationId xmlns:a16="http://schemas.microsoft.com/office/drawing/2014/main" id="{B0CD09B2-9FC2-39D7-1BAD-2229C0AA79ED}"/>
               </a:ext>
             </a:extLst>
           </p:cNvPr>
@@ -2373,7 +2373,7 @@
           <a:bodyPr/>
           <a:lstStyle/>
           <a:p>
-            <a:fld id="{EC30A15F-F975-4DB1-9A04-69A7E0C3E026}" type="datetimeFigureOut">
+            <a:fld id="{6F6111EA-56DF-4978-B29A-A151642A5885}" type="datetimeFigureOut">
               <a:rPr lang="zh-CN" altLang="en-US" smtClean="0"/>
               <a:t>2024/3/10</a:t>
             </a:fld>
@@ -2386,7 +2386,7 @@
           <p:cNvPr id="6" name="页脚占位符 5">
             <a:extLst>
               <a:ext uri="{FF2B5EF4-FFF2-40B4-BE49-F238E27FC236}">
-                <a16:creationId xmlns:a16="http://schemas.microsoft.com/office/drawing/2014/main" id="{ADB5F36B-D9D6-941C-E5DF-F96279750F67}"/>
+                <a16:creationId xmlns:a16="http://schemas.microsoft.com/office/drawing/2014/main" id="{BCAA6EB4-5BB3-FB1B-3B4F-E4A496ABF67B}"/>
               </a:ext>
             </a:extLst>
           </p:cNvPr>
@@ -2411,7 +2411,7 @@
           <p:cNvPr id="7" name="灯片编号占位符 6">
             <a:extLst>
               <a:ext uri="{FF2B5EF4-FFF2-40B4-BE49-F238E27FC236}">
-                <a16:creationId xmlns:a16="http://schemas.microsoft.com/office/drawing/2014/main" id="{71ED4647-413B-627D-4C92-69627E2B5164}"/>
+                <a16:creationId xmlns:a16="http://schemas.microsoft.com/office/drawing/2014/main" id="{0C8A99EB-07A8-37BD-CAE0-3A003BBC3047}"/>
               </a:ext>
             </a:extLst>
           </p:cNvPr>
@@ -2427,7 +2427,7 @@
           <a:bodyPr/>
           <a:lstStyle/>
           <a:p>
-            <a:fld id="{F7005C75-4DCF-4FA2-887E-DAAC764A6447}" type="slidenum">
+            <a:fld id="{6D2BA9F8-61DE-4D46-A44D-BFE3B531311F}" type="slidenum">
               <a:rPr lang="zh-CN" altLang="en-US" smtClean="0"/>
               <a:t>‹#›</a:t>
             </a:fld>
@@ -2438,7 +2438,7 @@
     </p:spTree>
     <p:extLst>
       <p:ext uri="{BB962C8B-B14F-4D97-AF65-F5344CB8AC3E}">
-        <p14:creationId xmlns:p14="http://schemas.microsoft.com/office/powerpoint/2010/main" val="2109699107"/>
+        <p14:creationId xmlns:p14="http://schemas.microsoft.com/office/powerpoint/2010/main" val="3053630897"/>
       </p:ext>
     </p:extLst>
   </p:cSld>
@@ -2470,7 +2470,7 @@
           <p:cNvPr id="2" name="标题 1">
             <a:extLst>
               <a:ext uri="{FF2B5EF4-FFF2-40B4-BE49-F238E27FC236}">
-                <a16:creationId xmlns:a16="http://schemas.microsoft.com/office/drawing/2014/main" id="{F6AE504D-003C-0AD5-4162-DEE924E3E93A}"/>
+                <a16:creationId xmlns:a16="http://schemas.microsoft.com/office/drawing/2014/main" id="{F809B1C5-7E81-C336-1795-7F3FB02B7771}"/>
               </a:ext>
             </a:extLst>
           </p:cNvPr>
@@ -2507,7 +2507,7 @@
           <p:cNvPr id="3" name="图片占位符 2">
             <a:extLst>
               <a:ext uri="{FF2B5EF4-FFF2-40B4-BE49-F238E27FC236}">
-                <a16:creationId xmlns:a16="http://schemas.microsoft.com/office/drawing/2014/main" id="{1D1B28B0-581B-3B25-B308-A9072778B925}"/>
+                <a16:creationId xmlns:a16="http://schemas.microsoft.com/office/drawing/2014/main" id="{50A1C4DC-C06C-5E13-2FD3-6EDB3462E15A}"/>
               </a:ext>
             </a:extLst>
           </p:cNvPr>
@@ -2574,7 +2574,7 @@
           <p:cNvPr id="4" name="文本占位符 3">
             <a:extLst>
               <a:ext uri="{FF2B5EF4-FFF2-40B4-BE49-F238E27FC236}">
-                <a16:creationId xmlns:a16="http://schemas.microsoft.com/office/drawing/2014/main" id="{4FF1CA0D-0B94-2A7C-5935-9ECE3DA21D13}"/>
+                <a16:creationId xmlns:a16="http://schemas.microsoft.com/office/drawing/2014/main" id="{3F697E38-1B59-EC2E-9C2F-D1BB527949B3}"/>
               </a:ext>
             </a:extLst>
           </p:cNvPr>
@@ -2645,7 +2645,7 @@
           <p:cNvPr id="5" name="日期占位符 4">
             <a:extLst>
               <a:ext uri="{FF2B5EF4-FFF2-40B4-BE49-F238E27FC236}">
-                <a16:creationId xmlns:a16="http://schemas.microsoft.com/office/drawing/2014/main" id="{3302C626-491A-CE0A-9E5F-1D143E2F89C6}"/>
+                <a16:creationId xmlns:a16="http://schemas.microsoft.com/office/drawing/2014/main" id="{47101E0F-881A-771B-7D68-5106E8BD6F50}"/>
               </a:ext>
             </a:extLst>
           </p:cNvPr>
@@ -2661,7 +2661,7 @@
           <a:bodyPr/>
           <a:lstStyle/>
           <a:p>
-            <a:fld id="{EC30A15F-F975-4DB1-9A04-69A7E0C3E026}" type="datetimeFigureOut">
+            <a:fld id="{6F6111EA-56DF-4978-B29A-A151642A5885}" type="datetimeFigureOut">
               <a:rPr lang="zh-CN" altLang="en-US" smtClean="0"/>
               <a:t>2024/3/10</a:t>
             </a:fld>
@@ -2674,7 +2674,7 @@
           <p:cNvPr id="6" name="页脚占位符 5">
             <a:extLst>
               <a:ext uri="{FF2B5EF4-FFF2-40B4-BE49-F238E27FC236}">
-                <a16:creationId xmlns:a16="http://schemas.microsoft.com/office/drawing/2014/main" id="{30786A17-C49D-3945-AC9C-6C0BD3D5A6FB}"/>
+                <a16:creationId xmlns:a16="http://schemas.microsoft.com/office/drawing/2014/main" id="{BE9B08FA-071D-2137-F120-E84CEE0BE03B}"/>
               </a:ext>
             </a:extLst>
           </p:cNvPr>
@@ -2699,7 +2699,7 @@
           <p:cNvPr id="7" name="灯片编号占位符 6">
             <a:extLst>
               <a:ext uri="{FF2B5EF4-FFF2-40B4-BE49-F238E27FC236}">
-                <a16:creationId xmlns:a16="http://schemas.microsoft.com/office/drawing/2014/main" id="{7BACB1A6-C9C3-420A-C08D-DB60238541EC}"/>
+                <a16:creationId xmlns:a16="http://schemas.microsoft.com/office/drawing/2014/main" id="{09FAB9FA-9569-0881-A6BF-E2A82FB86BF4}"/>
               </a:ext>
             </a:extLst>
           </p:cNvPr>
@@ -2715,7 +2715,7 @@
           <a:bodyPr/>
           <a:lstStyle/>
           <a:p>
-            <a:fld id="{F7005C75-4DCF-4FA2-887E-DAAC764A6447}" type="slidenum">
+            <a:fld id="{6D2BA9F8-61DE-4D46-A44D-BFE3B531311F}" type="slidenum">
               <a:rPr lang="zh-CN" altLang="en-US" smtClean="0"/>
               <a:t>‹#›</a:t>
             </a:fld>
@@ -2726,7 +2726,7 @@
     </p:spTree>
     <p:extLst>
       <p:ext uri="{BB962C8B-B14F-4D97-AF65-F5344CB8AC3E}">
-        <p14:creationId xmlns:p14="http://schemas.microsoft.com/office/powerpoint/2010/main" val="3818216237"/>
+        <p14:creationId xmlns:p14="http://schemas.microsoft.com/office/powerpoint/2010/main" val="3339580609"/>
       </p:ext>
     </p:extLst>
   </p:cSld>
@@ -2763,7 +2763,7 @@
           <p:cNvPr id="2" name="标题占位符 1">
             <a:extLst>
               <a:ext uri="{FF2B5EF4-FFF2-40B4-BE49-F238E27FC236}">
-                <a16:creationId xmlns:a16="http://schemas.microsoft.com/office/drawing/2014/main" id="{6EA7B544-3671-8198-25BE-4811A13C15D5}"/>
+                <a16:creationId xmlns:a16="http://schemas.microsoft.com/office/drawing/2014/main" id="{DB617274-D57C-522D-D840-AFAEDA9036B9}"/>
               </a:ext>
             </a:extLst>
           </p:cNvPr>
@@ -2801,7 +2801,7 @@
           <p:cNvPr id="3" name="文本占位符 2">
             <a:extLst>
               <a:ext uri="{FF2B5EF4-FFF2-40B4-BE49-F238E27FC236}">
-                <a16:creationId xmlns:a16="http://schemas.microsoft.com/office/drawing/2014/main" id="{BC850397-EF1E-A91B-BFC2-18FC66D355C1}"/>
+                <a16:creationId xmlns:a16="http://schemas.microsoft.com/office/drawing/2014/main" id="{1AFD50C3-606A-B765-5558-985812C3479D}"/>
               </a:ext>
             </a:extLst>
           </p:cNvPr>
@@ -2868,7 +2868,7 @@
           <p:cNvPr id="4" name="日期占位符 3">
             <a:extLst>
               <a:ext uri="{FF2B5EF4-FFF2-40B4-BE49-F238E27FC236}">
-                <a16:creationId xmlns:a16="http://schemas.microsoft.com/office/drawing/2014/main" id="{8F0FC92C-501C-8133-C74E-EE285FA0804B}"/>
+                <a16:creationId xmlns:a16="http://schemas.microsoft.com/office/drawing/2014/main" id="{9C947911-679C-F223-22B4-C2F98BA72885}"/>
               </a:ext>
             </a:extLst>
           </p:cNvPr>
@@ -2902,7 +2902,7 @@
             </a:lvl1pPr>
           </a:lstStyle>
           <a:p>
-            <a:fld id="{EC30A15F-F975-4DB1-9A04-69A7E0C3E026}" type="datetimeFigureOut">
+            <a:fld id="{6F6111EA-56DF-4978-B29A-A151642A5885}" type="datetimeFigureOut">
               <a:rPr lang="zh-CN" altLang="en-US" smtClean="0"/>
               <a:t>2024/3/10</a:t>
             </a:fld>
@@ -2915,7 +2915,7 @@
           <p:cNvPr id="5" name="页脚占位符 4">
             <a:extLst>
               <a:ext uri="{FF2B5EF4-FFF2-40B4-BE49-F238E27FC236}">
-                <a16:creationId xmlns:a16="http://schemas.microsoft.com/office/drawing/2014/main" id="{428F8621-8F5C-ABCA-A379-E3851D4E5D9E}"/>
+                <a16:creationId xmlns:a16="http://schemas.microsoft.com/office/drawing/2014/main" id="{F3ABB5C3-5AE7-AE9A-FD9A-16975A9BB2EB}"/>
               </a:ext>
             </a:extLst>
           </p:cNvPr>
@@ -2958,7 +2958,7 @@
           <p:cNvPr id="6" name="灯片编号占位符 5">
             <a:extLst>
               <a:ext uri="{FF2B5EF4-FFF2-40B4-BE49-F238E27FC236}">
-                <a16:creationId xmlns:a16="http://schemas.microsoft.com/office/drawing/2014/main" id="{7B3A2445-DA1C-2B2F-E47C-F1CD45201174}"/>
+                <a16:creationId xmlns:a16="http://schemas.microsoft.com/office/drawing/2014/main" id="{5A119807-21F7-4826-E6B9-35B702AB6752}"/>
               </a:ext>
             </a:extLst>
           </p:cNvPr>
@@ -2992,7 +2992,7 @@
             </a:lvl1pPr>
           </a:lstStyle>
           <a:p>
-            <a:fld id="{F7005C75-4DCF-4FA2-887E-DAAC764A6447}" type="slidenum">
+            <a:fld id="{6D2BA9F8-61DE-4D46-A44D-BFE3B531311F}" type="slidenum">
               <a:rPr lang="zh-CN" altLang="en-US" smtClean="0"/>
               <a:t>‹#›</a:t>
             </a:fld>
@@ -3003,7 +3003,7 @@
     </p:spTree>
     <p:extLst>
       <p:ext uri="{BB962C8B-B14F-4D97-AF65-F5344CB8AC3E}">
-        <p14:creationId xmlns:p14="http://schemas.microsoft.com/office/powerpoint/2010/main" val="4206196382"/>
+        <p14:creationId xmlns:p14="http://schemas.microsoft.com/office/powerpoint/2010/main" val="584818088"/>
       </p:ext>
     </p:extLst>
   </p:cSld>
